--- a/2017-1/class-11/201700508_Omid_Dong-su-Lee.pptx
+++ b/2017-1/class-11/201700508_Omid_Dong-su-Lee.pptx
@@ -240,7 +240,7 @@
           <a:p>
             <a:fld id="{559E0D10-DB6D-4F9B-90C1-8952AE7364A6}" type="datetimeFigureOut">
               <a:rPr lang="ko-KR" altLang="en-US" smtClean="0"/>
-              <a:t>2017-05-08</a:t>
+              <a:t>2017-05-15</a:t>
             </a:fld>
             <a:endParaRPr lang="ko-KR" altLang="en-US"/>
           </a:p>
@@ -405,7 +405,7 @@
           <a:p>
             <a:fld id="{A68F612A-01B9-4505-A157-BAF78EBB32D5}" type="datetimeFigureOut">
               <a:rPr lang="ko-KR" altLang="en-US" smtClean="0"/>
-              <a:t>2017-05-08</a:t>
+              <a:t>2017-05-15</a:t>
             </a:fld>
             <a:endParaRPr lang="ko-KR" altLang="en-US"/>
           </a:p>
@@ -1025,7 +1025,7 @@
           <a:p>
             <a:fld id="{1295ACB3-3A43-4869-B90E-17865677A151}" type="datetime1">
               <a:rPr lang="ko-KR" altLang="en-US" smtClean="0"/>
-              <a:t>2017-05-08</a:t>
+              <a:t>2017-05-15</a:t>
             </a:fld>
             <a:endParaRPr lang="ko-KR" altLang="en-US"/>
           </a:p>
@@ -1209,7 +1209,7 @@
           <a:p>
             <a:fld id="{6420FFCC-92F9-4278-BA83-89E023FBAFCA}" type="datetime1">
               <a:rPr lang="ko-KR" altLang="en-US" smtClean="0"/>
-              <a:t>2017-05-08</a:t>
+              <a:t>2017-05-15</a:t>
             </a:fld>
             <a:endParaRPr lang="ko-KR" altLang="en-US"/>
           </a:p>
@@ -1393,7 +1393,7 @@
           <a:p>
             <a:fld id="{0243CD22-3F71-457E-96D3-D61CE30C93E2}" type="datetime1">
               <a:rPr lang="ko-KR" altLang="en-US" smtClean="0"/>
-              <a:t>2017-05-08</a:t>
+              <a:t>2017-05-15</a:t>
             </a:fld>
             <a:endParaRPr lang="ko-KR" altLang="en-US"/>
           </a:p>
@@ -1639,7 +1639,7 @@
           <a:p>
             <a:fld id="{E4A0A82F-B85F-416A-ACE3-F8556355A86E}" type="datetime1">
               <a:rPr lang="ko-KR" altLang="en-US" smtClean="0"/>
-              <a:t>2017-05-08</a:t>
+              <a:t>2017-05-15</a:t>
             </a:fld>
             <a:endParaRPr lang="ko-KR" altLang="en-US"/>
           </a:p>
@@ -1909,7 +1909,7 @@
           <a:p>
             <a:fld id="{656CB574-9C8C-4533-93EF-98DD9A67292A}" type="datetime1">
               <a:rPr lang="ko-KR" altLang="en-US" smtClean="0"/>
-              <a:t>2017-05-08</a:t>
+              <a:t>2017-05-15</a:t>
             </a:fld>
             <a:endParaRPr lang="ko-KR" altLang="en-US"/>
           </a:p>
@@ -2208,7 +2208,7 @@
           <a:p>
             <a:fld id="{4DF66032-13A8-4B3A-824D-E66A58AF3E96}" type="datetime1">
               <a:rPr lang="ko-KR" altLang="en-US" smtClean="0"/>
-              <a:t>2017-05-08</a:t>
+              <a:t>2017-05-15</a:t>
             </a:fld>
             <a:endParaRPr lang="ko-KR" altLang="en-US"/>
           </a:p>
@@ -2647,7 +2647,7 @@
           <a:p>
             <a:fld id="{D9575084-E30C-456E-BAD4-987802528E94}" type="datetime1">
               <a:rPr lang="ko-KR" altLang="en-US" smtClean="0"/>
-              <a:t>2017-05-08</a:t>
+              <a:t>2017-05-15</a:t>
             </a:fld>
             <a:endParaRPr lang="ko-KR" altLang="en-US"/>
           </a:p>
@@ -2772,7 +2772,7 @@
           <a:p>
             <a:fld id="{11F65F9F-3D66-4855-86FA-4657D3514551}" type="datetime1">
               <a:rPr lang="ko-KR" altLang="en-US" smtClean="0"/>
-              <a:t>2017-05-08</a:t>
+              <a:t>2017-05-15</a:t>
             </a:fld>
             <a:endParaRPr lang="ko-KR" altLang="en-US"/>
           </a:p>
@@ -2867,7 +2867,7 @@
           <a:p>
             <a:fld id="{DD99F63C-6072-48DB-8C68-E747869E0CFF}" type="datetime1">
               <a:rPr lang="ko-KR" altLang="en-US" smtClean="0"/>
-              <a:t>2017-05-08</a:t>
+              <a:t>2017-05-15</a:t>
             </a:fld>
             <a:endParaRPr lang="ko-KR" altLang="en-US"/>
           </a:p>
@@ -3151,7 +3151,7 @@
           <a:p>
             <a:fld id="{59D62143-1445-457A-85CA-66B6436F3D30}" type="datetime1">
               <a:rPr lang="ko-KR" altLang="en-US" smtClean="0"/>
-              <a:t>2017-05-08</a:t>
+              <a:t>2017-05-15</a:t>
             </a:fld>
             <a:endParaRPr lang="ko-KR" altLang="en-US"/>
           </a:p>
@@ -3412,7 +3412,7 @@
           <a:p>
             <a:fld id="{ED94BC6C-57E6-45B0-9915-60C0378D9F05}" type="datetime1">
               <a:rPr lang="ko-KR" altLang="en-US" smtClean="0"/>
-              <a:t>2017-05-08</a:t>
+              <a:t>2017-05-15</a:t>
             </a:fld>
             <a:endParaRPr lang="ko-KR" altLang="en-US"/>
           </a:p>
@@ -3591,7 +3591,7 @@
           <a:p>
             <a:fld id="{2DF98C40-3770-49B4-99E3-4AF87B1AA7DA}" type="datetime1">
               <a:rPr lang="ko-KR" altLang="en-US" smtClean="0"/>
-              <a:t>2017-05-08</a:t>
+              <a:t>2017-05-15</a:t>
             </a:fld>
             <a:endParaRPr lang="ko-KR" altLang="en-US"/>
           </a:p>
@@ -4467,7 +4467,19 @@
             <a:pPr lvl="1"/>
             <a:r>
               <a:rPr lang="en-US" altLang="ko-KR" dirty="0"/>
-              <a:t>Omid leverages; for consistent snapshots for SI</a:t>
+              <a:t>Omid leverages; for </a:t>
+            </a:r>
+            <a:r>
+              <a:rPr lang="en-US" altLang="ko-KR" dirty="0">
+                <a:solidFill>
+                  <a:srgbClr val="FF0000"/>
+                </a:solidFill>
+              </a:rPr>
+              <a:t>consistent</a:t>
+            </a:r>
+            <a:r>
+              <a:rPr lang="en-US" altLang="ko-KR" dirty="0"/>
+              <a:t> snapshots for SI</a:t>
             </a:r>
           </a:p>
           <a:p>
@@ -6498,7 +6510,19 @@
           <a:p>
             <a:r>
               <a:rPr lang="en-US" altLang="ko-KR" dirty="0"/>
-              <a:t>P1 - commit timestamps continue to be totally ordered by commit time</a:t>
+              <a:t>P1 - commit timestamps continue to be totally </a:t>
+            </a:r>
+            <a:r>
+              <a:rPr lang="en-US" altLang="ko-KR" dirty="0">
+                <a:solidFill>
+                  <a:srgbClr val="FF0000"/>
+                </a:solidFill>
+              </a:rPr>
+              <a:t>ordered</a:t>
+            </a:r>
+            <a:r>
+              <a:rPr lang="en-US" altLang="ko-KR" dirty="0"/>
+              <a:t> by commit time</a:t>
             </a:r>
           </a:p>
           <a:p>
@@ -6507,7 +6531,19 @@
           <a:p>
             <a:r>
               <a:rPr lang="en-US" altLang="ko-KR" dirty="0"/>
-              <a:t>P2 - ensures that a transaction encounters every update that must be included in its snapshot,</a:t>
+              <a:t>P2 - </a:t>
+            </a:r>
+            <a:r>
+              <a:rPr lang="en-US" altLang="ko-KR" dirty="0">
+                <a:solidFill>
+                  <a:srgbClr val="FF0000"/>
+                </a:solidFill>
+              </a:rPr>
+              <a:t>ensures</a:t>
+            </a:r>
+            <a:r>
+              <a:rPr lang="en-US" altLang="ko-KR" dirty="0"/>
+              <a:t> that a transaction encounters every update that must be included in its snapshot,</a:t>
             </a:r>
           </a:p>
           <a:p>
@@ -6516,7 +6552,19 @@
           <a:p>
             <a:r>
               <a:rPr lang="en-US" altLang="ko-KR" dirty="0"/>
-              <a:t>P3 - stipulates that the transaction can determine whether to return any read value.</a:t>
+              <a:t>P3 - stipulates that the transaction can </a:t>
+            </a:r>
+            <a:r>
+              <a:rPr lang="en-US" altLang="ko-KR" dirty="0">
+                <a:solidFill>
+                  <a:srgbClr val="FF0000"/>
+                </a:solidFill>
+              </a:rPr>
+              <a:t>determine</a:t>
+            </a:r>
+            <a:r>
+              <a:rPr lang="en-US" altLang="ko-KR" dirty="0"/>
+              <a:t> whether to return any read value.</a:t>
             </a:r>
             <a:endParaRPr lang="ko-KR" altLang="en-US" dirty="0"/>
           </a:p>
@@ -6840,8 +6888,8 @@
         </p:blipFill>
         <p:spPr>
           <a:xfrm>
-            <a:off x="251520" y="1582470"/>
-            <a:ext cx="8435280" cy="5275530"/>
+            <a:off x="251520" y="1583472"/>
+            <a:ext cx="8433676" cy="5274527"/>
           </a:xfrm>
           <a:prstGeom prst="rect">
             <a:avLst/>
@@ -7154,7 +7202,15 @@
             <a:pPr lvl="1"/>
             <a:r>
               <a:rPr lang="en-US" altLang="ko-KR" dirty="0"/>
-              <a:t>large-scale distributed transaction processing</a:t>
+              <a:t>large-scale distributed </a:t>
+            </a:r>
+            <a:r>
+              <a:rPr lang="en-US" altLang="ko-KR" dirty="0">
+                <a:solidFill>
+                  <a:srgbClr val="FF0000"/>
+                </a:solidFill>
+              </a:rPr>
+              <a:t>transaction processing</a:t>
             </a:r>
           </a:p>
           <a:p>
@@ -7210,7 +7266,15 @@
             <a:pPr lvl="1"/>
             <a:r>
               <a:rPr lang="en-US" altLang="ko-KR" dirty="0"/>
-              <a:t>ACID transaction processing system for key-value stores</a:t>
+              <a:t>ACID transaction processing system </a:t>
+            </a:r>
+            <a:r>
+              <a:rPr lang="en-US" altLang="ko-KR" dirty="0">
+                <a:solidFill>
+                  <a:srgbClr val="FF0000"/>
+                </a:solidFill>
+              </a:rPr>
+              <a:t>for key-value stores</a:t>
             </a:r>
           </a:p>
           <a:p>
@@ -7729,14 +7793,38 @@
             <a:pPr lvl="1"/>
             <a:r>
               <a:rPr lang="en-US" altLang="ko-KR" dirty="0"/>
-              <a:t>providing snapshot isolation (SI)</a:t>
+              <a:t>providing snapshot isolation (</a:t>
+            </a:r>
+            <a:r>
+              <a:rPr lang="en-US" altLang="ko-KR" dirty="0">
+                <a:solidFill>
+                  <a:srgbClr val="FF0000"/>
+                </a:solidFill>
+              </a:rPr>
+              <a:t>SI</a:t>
+            </a:r>
+            <a:r>
+              <a:rPr lang="en-US" altLang="ko-KR" dirty="0"/>
+              <a:t>)</a:t>
             </a:r>
           </a:p>
           <a:p>
             <a:pPr lvl="1"/>
             <a:r>
               <a:rPr lang="en-US" altLang="ko-KR" dirty="0"/>
-              <a:t>using TM &amp; scale-out of metadata (HBase)</a:t>
+              <a:t>using TM &amp; scale-out of metadata (</a:t>
+            </a:r>
+            <a:r>
+              <a:rPr lang="en-US" altLang="ko-KR" dirty="0">
+                <a:solidFill>
+                  <a:srgbClr val="FF0000"/>
+                </a:solidFill>
+              </a:rPr>
+              <a:t>HBase</a:t>
+            </a:r>
+            <a:r>
+              <a:rPr lang="en-US" altLang="ko-KR" dirty="0"/>
+              <a:t>)</a:t>
             </a:r>
           </a:p>
           <a:p>
@@ -7752,7 +7840,19 @@
             <a:pPr lvl="1"/>
             <a:r>
               <a:rPr lang="en-US" altLang="ko-KR" dirty="0"/>
-              <a:t>TM is implemented as a primary-backup process pair</a:t>
+              <a:t>TM is implemented as a </a:t>
+            </a:r>
+            <a:r>
+              <a:rPr lang="en-US" altLang="ko-KR" dirty="0">
+                <a:solidFill>
+                  <a:srgbClr val="FF0000"/>
+                </a:solidFill>
+              </a:rPr>
+              <a:t>primary-backup</a:t>
+            </a:r>
+            <a:r>
+              <a:rPr lang="en-US" altLang="ko-KR" dirty="0"/>
+              <a:t> process pair</a:t>
             </a:r>
           </a:p>
           <a:p>
